--- a/lecture/Lecture 13 Oct 15/13 resampling.pptx
+++ b/lecture/Lecture 13 Oct 15/13 resampling.pptx
@@ -7433,16 +7433,10 @@
           <a:bodyPr/>
           <a:lstStyle/>
           <a:p>
-            <a:r>
-              <a:rPr lang="en-US" dirty="0">
-                <a:hlinkClick r:id="rId2"/>
-              </a:rPr>
-              <a:t>Here is the interact link</a:t>
-            </a:r>
-            <a:r>
-              <a:rPr lang="en-US" dirty="0"/>
-              <a:t>.</a:t>
-            </a:r>
+            <a:pPr marL="0" indent="0">
+              <a:buNone/>
+            </a:pPr>
+            <a:endParaRPr lang="en-US" dirty="0"/>
           </a:p>
         </p:txBody>
       </p:sp>
